--- a/02 - Week/2 - Solutions.pptx
+++ b/02 - Week/2 - Solutions.pptx
@@ -217,6 +217,84 @@
 <file path=ppt/changesInfos/changesInfo1.xml><?xml version="1.0" encoding="utf-8"?>
 <pc:chgInfo xmlns:a="http://schemas.openxmlformats.org/drawingml/2006/main" xmlns:r="http://schemas.openxmlformats.org/officeDocument/2006/relationships" xmlns:ac="http://schemas.microsoft.com/office/drawing/2013/main/command" xmlns:pc="http://schemas.microsoft.com/office/powerpoint/2013/main/command">
   <pc:docChgLst>
+    <pc:chgData name="Lipani, Aldo" userId="3d811883-7188-4056-86e4-ebeb30c53017" providerId="ADAL" clId="{0C97AF31-43BD-EE43-B6C7-6475BAF3D5E0}"/>
+    <pc:docChg chg="undo custSel addSld delSld modSld sldOrd">
+      <pc:chgData name="Lipani, Aldo" userId="3d811883-7188-4056-86e4-ebeb30c53017" providerId="ADAL" clId="{0C97AF31-43BD-EE43-B6C7-6475BAF3D5E0}" dt="2019-10-06T14:40:04.670" v="8734" actId="20577"/>
+      <pc:docMkLst>
+        <pc:docMk/>
+      </pc:docMkLst>
+      <pc:sldChg chg="modSp">
+        <pc:chgData name="Lipani, Aldo" userId="3d811883-7188-4056-86e4-ebeb30c53017" providerId="ADAL" clId="{0C97AF31-43BD-EE43-B6C7-6475BAF3D5E0}" dt="2019-10-04T17:05:08.035" v="55" actId="20577"/>
+        <pc:sldMkLst>
+          <pc:docMk/>
+          <pc:sldMk cId="3972362767" sldId="555"/>
+        </pc:sldMkLst>
+        <pc:spChg chg="mod">
+          <ac:chgData name="Lipani, Aldo" userId="3d811883-7188-4056-86e4-ebeb30c53017" providerId="ADAL" clId="{0C97AF31-43BD-EE43-B6C7-6475BAF3D5E0}" dt="2019-10-04T17:05:08.035" v="55" actId="20577"/>
+          <ac:spMkLst>
+            <pc:docMk/>
+            <pc:sldMk cId="3972362767" sldId="555"/>
+            <ac:spMk id="4099" creationId="{00000000-0000-0000-0000-000000000000}"/>
+          </ac:spMkLst>
+        </pc:spChg>
+      </pc:sldChg>
+      <pc:sldChg chg="modSp add ord">
+        <pc:chgData name="Lipani, Aldo" userId="3d811883-7188-4056-86e4-ebeb30c53017" providerId="ADAL" clId="{0C97AF31-43BD-EE43-B6C7-6475BAF3D5E0}" dt="2019-10-04T17:19:46.944" v="256"/>
+        <pc:sldMkLst>
+          <pc:docMk/>
+          <pc:sldMk cId="3198904571" sldId="776"/>
+        </pc:sldMkLst>
+        <pc:spChg chg="mod">
+          <ac:chgData name="Lipani, Aldo" userId="3d811883-7188-4056-86e4-ebeb30c53017" providerId="ADAL" clId="{0C97AF31-43BD-EE43-B6C7-6475BAF3D5E0}" dt="2019-10-04T17:19:43.885" v="255" actId="20577"/>
+          <ac:spMkLst>
+            <pc:docMk/>
+            <pc:sldMk cId="3198904571" sldId="776"/>
+            <ac:spMk id="6" creationId="{566B908A-85C8-D84C-A24B-BA8943763699}"/>
+          </ac:spMkLst>
+        </pc:spChg>
+      </pc:sldChg>
+      <pc:sldChg chg="addSp delSp modSp add">
+        <pc:chgData name="Lipani, Aldo" userId="3d811883-7188-4056-86e4-ebeb30c53017" providerId="ADAL" clId="{0C97AF31-43BD-EE43-B6C7-6475BAF3D5E0}" dt="2019-10-04T17:20:25.586" v="269" actId="20577"/>
+        <pc:sldMkLst>
+          <pc:docMk/>
+          <pc:sldMk cId="2834985964" sldId="777"/>
+        </pc:sldMkLst>
+        <pc:spChg chg="del">
+          <ac:chgData name="Lipani, Aldo" userId="3d811883-7188-4056-86e4-ebeb30c53017" providerId="ADAL" clId="{0C97AF31-43BD-EE43-B6C7-6475BAF3D5E0}" dt="2019-10-04T17:20:02.570" v="258"/>
+          <ac:spMkLst>
+            <pc:docMk/>
+            <pc:sldMk cId="2834985964" sldId="777"/>
+            <ac:spMk id="2" creationId="{63B682C7-BC8B-934A-A45B-57870B4FB07E}"/>
+          </ac:spMkLst>
+        </pc:spChg>
+        <pc:spChg chg="del">
+          <ac:chgData name="Lipani, Aldo" userId="3d811883-7188-4056-86e4-ebeb30c53017" providerId="ADAL" clId="{0C97AF31-43BD-EE43-B6C7-6475BAF3D5E0}" dt="2019-10-04T17:20:02.570" v="258"/>
+          <ac:spMkLst>
+            <pc:docMk/>
+            <pc:sldMk cId="2834985964" sldId="777"/>
+            <ac:spMk id="3" creationId="{65B882DD-C14A-6A4F-9977-E1FA8E1372A3}"/>
+          </ac:spMkLst>
+        </pc:spChg>
+        <pc:spChg chg="add mod">
+          <ac:chgData name="Lipani, Aldo" userId="3d811883-7188-4056-86e4-ebeb30c53017" providerId="ADAL" clId="{0C97AF31-43BD-EE43-B6C7-6475BAF3D5E0}" dt="2019-10-04T17:20:05.434" v="266" actId="20577"/>
+          <ac:spMkLst>
+            <pc:docMk/>
+            <pc:sldMk cId="2834985964" sldId="777"/>
+            <ac:spMk id="4" creationId="{DC47D56F-E375-3142-A3D8-4657E2410F61}"/>
+          </ac:spMkLst>
+        </pc:spChg>
+        <pc:spChg chg="add mod">
+          <ac:chgData name="Lipani, Aldo" userId="3d811883-7188-4056-86e4-ebeb30c53017" providerId="ADAL" clId="{0C97AF31-43BD-EE43-B6C7-6475BAF3D5E0}" dt="2019-10-04T17:20:25.586" v="269" actId="20577"/>
+          <ac:spMkLst>
+            <pc:docMk/>
+            <pc:sldMk cId="2834985964" sldId="777"/>
+            <ac:spMk id="5" creationId="{27A890EF-B062-FC4B-BC88-D5BC2AD60DB7}"/>
+          </ac:spMkLst>
+        </pc:spChg>
+      </pc:sldChg>
+    </pc:docChg>
+  </pc:docChgLst>
+  <pc:docChgLst>
     <pc:chgData name="Lipani, Aldo" userId="3d811883-7188-4056-86e4-ebeb30c53017" providerId="ADAL" clId="{3215D4EB-4E6F-1E44-BC52-19D9BFC4C212}"/>
     <pc:docChg chg="undo custSel addSld delSld modSld sldOrd">
       <pc:chgData name="Lipani, Aldo" userId="3d811883-7188-4056-86e4-ebeb30c53017" providerId="ADAL" clId="{3215D4EB-4E6F-1E44-BC52-19D9BFC4C212}" dt="2019-10-21T15:47:40.713" v="14747" actId="2696"/>
@@ -2835,20 +2913,20 @@
     </pc:docChg>
   </pc:docChgLst>
   <pc:docChgLst>
-    <pc:chgData name="Lipani, Aldo" userId="3d811883-7188-4056-86e4-ebeb30c53017" providerId="ADAL" clId="{0C97AF31-43BD-EE43-B6C7-6475BAF3D5E0}"/>
-    <pc:docChg chg="undo custSel addSld delSld modSld sldOrd">
-      <pc:chgData name="Lipani, Aldo" userId="3d811883-7188-4056-86e4-ebeb30c53017" providerId="ADAL" clId="{0C97AF31-43BD-EE43-B6C7-6475BAF3D5E0}" dt="2019-10-06T14:40:04.670" v="8734" actId="20577"/>
+    <pc:chgData name="Lipani, Aldo" userId="3d811883-7188-4056-86e4-ebeb30c53017" providerId="ADAL" clId="{066878FF-7127-9540-9515-91DB17D00745}"/>
+    <pc:docChg chg="undo custSel modSld">
+      <pc:chgData name="Lipani, Aldo" userId="3d811883-7188-4056-86e4-ebeb30c53017" providerId="ADAL" clId="{066878FF-7127-9540-9515-91DB17D00745}" dt="2020-09-20T16:53:58.804" v="144"/>
       <pc:docMkLst>
         <pc:docMk/>
       </pc:docMkLst>
-      <pc:sldChg chg="modSp">
-        <pc:chgData name="Lipani, Aldo" userId="3d811883-7188-4056-86e4-ebeb30c53017" providerId="ADAL" clId="{0C97AF31-43BD-EE43-B6C7-6475BAF3D5E0}" dt="2019-10-04T17:05:08.035" v="55" actId="20577"/>
+      <pc:sldChg chg="modSp mod">
+        <pc:chgData name="Lipani, Aldo" userId="3d811883-7188-4056-86e4-ebeb30c53017" providerId="ADAL" clId="{066878FF-7127-9540-9515-91DB17D00745}" dt="2020-09-20T16:48:13.055" v="5" actId="20577"/>
         <pc:sldMkLst>
           <pc:docMk/>
           <pc:sldMk cId="3972362767" sldId="555"/>
         </pc:sldMkLst>
         <pc:spChg chg="mod">
-          <ac:chgData name="Lipani, Aldo" userId="3d811883-7188-4056-86e4-ebeb30c53017" providerId="ADAL" clId="{0C97AF31-43BD-EE43-B6C7-6475BAF3D5E0}" dt="2019-10-04T17:05:08.035" v="55" actId="20577"/>
+          <ac:chgData name="Lipani, Aldo" userId="3d811883-7188-4056-86e4-ebeb30c53017" providerId="ADAL" clId="{066878FF-7127-9540-9515-91DB17D00745}" dt="2020-09-20T16:48:13.055" v="5" actId="20577"/>
           <ac:spMkLst>
             <pc:docMk/>
             <pc:sldMk cId="3972362767" sldId="555"/>
@@ -2856,57 +2934,191 @@
           </ac:spMkLst>
         </pc:spChg>
       </pc:sldChg>
-      <pc:sldChg chg="modSp add ord">
-        <pc:chgData name="Lipani, Aldo" userId="3d811883-7188-4056-86e4-ebeb30c53017" providerId="ADAL" clId="{0C97AF31-43BD-EE43-B6C7-6475BAF3D5E0}" dt="2019-10-04T17:19:46.944" v="256"/>
+      <pc:sldChg chg="modSp">
+        <pc:chgData name="Lipani, Aldo" userId="3d811883-7188-4056-86e4-ebeb30c53017" providerId="ADAL" clId="{066878FF-7127-9540-9515-91DB17D00745}" dt="2020-09-20T16:51:57.698" v="97"/>
         <pc:sldMkLst>
           <pc:docMk/>
-          <pc:sldMk cId="3198904571" sldId="776"/>
+          <pc:sldMk cId="2808441334" sldId="758"/>
         </pc:sldMkLst>
         <pc:spChg chg="mod">
-          <ac:chgData name="Lipani, Aldo" userId="3d811883-7188-4056-86e4-ebeb30c53017" providerId="ADAL" clId="{0C97AF31-43BD-EE43-B6C7-6475BAF3D5E0}" dt="2019-10-04T17:19:43.885" v="255" actId="20577"/>
-          <ac:spMkLst>
-            <pc:docMk/>
-            <pc:sldMk cId="3198904571" sldId="776"/>
-            <ac:spMk id="6" creationId="{566B908A-85C8-D84C-A24B-BA8943763699}"/>
+          <ac:chgData name="Lipani, Aldo" userId="3d811883-7188-4056-86e4-ebeb30c53017" providerId="ADAL" clId="{066878FF-7127-9540-9515-91DB17D00745}" dt="2020-09-20T16:51:57.698" v="97"/>
+          <ac:spMkLst>
+            <pc:docMk/>
+            <pc:sldMk cId="2808441334" sldId="758"/>
+            <ac:spMk id="3" creationId="{37A9ED5E-FC51-FB47-8B07-24FE448646D0}"/>
           </ac:spMkLst>
         </pc:spChg>
       </pc:sldChg>
-      <pc:sldChg chg="addSp delSp modSp add">
-        <pc:chgData name="Lipani, Aldo" userId="3d811883-7188-4056-86e4-ebeb30c53017" providerId="ADAL" clId="{0C97AF31-43BD-EE43-B6C7-6475BAF3D5E0}" dt="2019-10-04T17:20:25.586" v="269" actId="20577"/>
+      <pc:sldChg chg="modSp mod">
+        <pc:chgData name="Lipani, Aldo" userId="3d811883-7188-4056-86e4-ebeb30c53017" providerId="ADAL" clId="{066878FF-7127-9540-9515-91DB17D00745}" dt="2020-09-20T16:48:27.772" v="11"/>
         <pc:sldMkLst>
           <pc:docMk/>
-          <pc:sldMk cId="2834985964" sldId="777"/>
+          <pc:sldMk cId="4046377026" sldId="813"/>
         </pc:sldMkLst>
-        <pc:spChg chg="del">
-          <ac:chgData name="Lipani, Aldo" userId="3d811883-7188-4056-86e4-ebeb30c53017" providerId="ADAL" clId="{0C97AF31-43BD-EE43-B6C7-6475BAF3D5E0}" dt="2019-10-04T17:20:02.570" v="258"/>
-          <ac:spMkLst>
-            <pc:docMk/>
-            <pc:sldMk cId="2834985964" sldId="777"/>
-            <ac:spMk id="2" creationId="{63B682C7-BC8B-934A-A45B-57870B4FB07E}"/>
-          </ac:spMkLst>
-        </pc:spChg>
-        <pc:spChg chg="del">
-          <ac:chgData name="Lipani, Aldo" userId="3d811883-7188-4056-86e4-ebeb30c53017" providerId="ADAL" clId="{0C97AF31-43BD-EE43-B6C7-6475BAF3D5E0}" dt="2019-10-04T17:20:02.570" v="258"/>
-          <ac:spMkLst>
-            <pc:docMk/>
-            <pc:sldMk cId="2834985964" sldId="777"/>
-            <ac:spMk id="3" creationId="{65B882DD-C14A-6A4F-9977-E1FA8E1372A3}"/>
-          </ac:spMkLst>
-        </pc:spChg>
-        <pc:spChg chg="add mod">
-          <ac:chgData name="Lipani, Aldo" userId="3d811883-7188-4056-86e4-ebeb30c53017" providerId="ADAL" clId="{0C97AF31-43BD-EE43-B6C7-6475BAF3D5E0}" dt="2019-10-04T17:20:05.434" v="266" actId="20577"/>
-          <ac:spMkLst>
-            <pc:docMk/>
-            <pc:sldMk cId="2834985964" sldId="777"/>
-            <ac:spMk id="4" creationId="{DC47D56F-E375-3142-A3D8-4657E2410F61}"/>
-          </ac:spMkLst>
-        </pc:spChg>
-        <pc:spChg chg="add mod">
-          <ac:chgData name="Lipani, Aldo" userId="3d811883-7188-4056-86e4-ebeb30c53017" providerId="ADAL" clId="{0C97AF31-43BD-EE43-B6C7-6475BAF3D5E0}" dt="2019-10-04T17:20:25.586" v="269" actId="20577"/>
-          <ac:spMkLst>
-            <pc:docMk/>
-            <pc:sldMk cId="2834985964" sldId="777"/>
-            <ac:spMk id="5" creationId="{27A890EF-B062-FC4B-BC88-D5BC2AD60DB7}"/>
+        <pc:spChg chg="mod">
+          <ac:chgData name="Lipani, Aldo" userId="3d811883-7188-4056-86e4-ebeb30c53017" providerId="ADAL" clId="{066878FF-7127-9540-9515-91DB17D00745}" dt="2020-09-20T16:48:27.772" v="11"/>
+          <ac:spMkLst>
+            <pc:docMk/>
+            <pc:sldMk cId="4046377026" sldId="813"/>
+            <ac:spMk id="9" creationId="{3AB3BC18-199B-C44F-B339-573547996898}"/>
+          </ac:spMkLst>
+        </pc:spChg>
+      </pc:sldChg>
+      <pc:sldChg chg="modSp mod">
+        <pc:chgData name="Lipani, Aldo" userId="3d811883-7188-4056-86e4-ebeb30c53017" providerId="ADAL" clId="{066878FF-7127-9540-9515-91DB17D00745}" dt="2020-09-20T16:49:51.711" v="47"/>
+        <pc:sldMkLst>
+          <pc:docMk/>
+          <pc:sldMk cId="3816615933" sldId="814"/>
+        </pc:sldMkLst>
+        <pc:spChg chg="mod">
+          <ac:chgData name="Lipani, Aldo" userId="3d811883-7188-4056-86e4-ebeb30c53017" providerId="ADAL" clId="{066878FF-7127-9540-9515-91DB17D00745}" dt="2020-09-20T16:49:51.711" v="47"/>
+          <ac:spMkLst>
+            <pc:docMk/>
+            <pc:sldMk cId="3816615933" sldId="814"/>
+            <ac:spMk id="9" creationId="{3AB3BC18-199B-C44F-B339-573547996898}"/>
+          </ac:spMkLst>
+        </pc:spChg>
+      </pc:sldChg>
+      <pc:sldChg chg="modSp mod">
+        <pc:chgData name="Lipani, Aldo" userId="3d811883-7188-4056-86e4-ebeb30c53017" providerId="ADAL" clId="{066878FF-7127-9540-9515-91DB17D00745}" dt="2020-09-20T16:51:22.753" v="88"/>
+        <pc:sldMkLst>
+          <pc:docMk/>
+          <pc:sldMk cId="276729484" sldId="816"/>
+        </pc:sldMkLst>
+        <pc:spChg chg="mod">
+          <ac:chgData name="Lipani, Aldo" userId="3d811883-7188-4056-86e4-ebeb30c53017" providerId="ADAL" clId="{066878FF-7127-9540-9515-91DB17D00745}" dt="2020-09-20T16:51:22.753" v="88"/>
+          <ac:spMkLst>
+            <pc:docMk/>
+            <pc:sldMk cId="276729484" sldId="816"/>
+            <ac:spMk id="9" creationId="{3AB3BC18-199B-C44F-B339-573547996898}"/>
+          </ac:spMkLst>
+        </pc:spChg>
+      </pc:sldChg>
+      <pc:sldChg chg="modSp">
+        <pc:chgData name="Lipani, Aldo" userId="3d811883-7188-4056-86e4-ebeb30c53017" providerId="ADAL" clId="{066878FF-7127-9540-9515-91DB17D00745}" dt="2020-09-20T16:52:08.595" v="99"/>
+        <pc:sldMkLst>
+          <pc:docMk/>
+          <pc:sldMk cId="3918311544" sldId="818"/>
+        </pc:sldMkLst>
+        <pc:spChg chg="mod">
+          <ac:chgData name="Lipani, Aldo" userId="3d811883-7188-4056-86e4-ebeb30c53017" providerId="ADAL" clId="{066878FF-7127-9540-9515-91DB17D00745}" dt="2020-09-20T16:52:08.595" v="99"/>
+          <ac:spMkLst>
+            <pc:docMk/>
+            <pc:sldMk cId="3918311544" sldId="818"/>
+            <ac:spMk id="3" creationId="{37A9ED5E-FC51-FB47-8B07-24FE448646D0}"/>
+          </ac:spMkLst>
+        </pc:spChg>
+      </pc:sldChg>
+      <pc:sldChg chg="modSp">
+        <pc:chgData name="Lipani, Aldo" userId="3d811883-7188-4056-86e4-ebeb30c53017" providerId="ADAL" clId="{066878FF-7127-9540-9515-91DB17D00745}" dt="2020-09-20T16:52:16.257" v="101"/>
+        <pc:sldMkLst>
+          <pc:docMk/>
+          <pc:sldMk cId="2473890635" sldId="819"/>
+        </pc:sldMkLst>
+        <pc:spChg chg="mod">
+          <ac:chgData name="Lipani, Aldo" userId="3d811883-7188-4056-86e4-ebeb30c53017" providerId="ADAL" clId="{066878FF-7127-9540-9515-91DB17D00745}" dt="2020-09-20T16:52:16.257" v="101"/>
+          <ac:spMkLst>
+            <pc:docMk/>
+            <pc:sldMk cId="2473890635" sldId="819"/>
+            <ac:spMk id="3" creationId="{37A9ED5E-FC51-FB47-8B07-24FE448646D0}"/>
+          </ac:spMkLst>
+        </pc:spChg>
+      </pc:sldChg>
+      <pc:sldChg chg="modSp">
+        <pc:chgData name="Lipani, Aldo" userId="3d811883-7188-4056-86e4-ebeb30c53017" providerId="ADAL" clId="{066878FF-7127-9540-9515-91DB17D00745}" dt="2020-09-20T16:53:11.592" v="119"/>
+        <pc:sldMkLst>
+          <pc:docMk/>
+          <pc:sldMk cId="3296865420" sldId="820"/>
+        </pc:sldMkLst>
+        <pc:spChg chg="mod">
+          <ac:chgData name="Lipani, Aldo" userId="3d811883-7188-4056-86e4-ebeb30c53017" providerId="ADAL" clId="{066878FF-7127-9540-9515-91DB17D00745}" dt="2020-09-20T16:53:11.592" v="119"/>
+          <ac:spMkLst>
+            <pc:docMk/>
+            <pc:sldMk cId="3296865420" sldId="820"/>
+            <ac:spMk id="3" creationId="{37A9ED5E-FC51-FB47-8B07-24FE448646D0}"/>
+          </ac:spMkLst>
+        </pc:spChg>
+      </pc:sldChg>
+      <pc:sldChg chg="modSp">
+        <pc:chgData name="Lipani, Aldo" userId="3d811883-7188-4056-86e4-ebeb30c53017" providerId="ADAL" clId="{066878FF-7127-9540-9515-91DB17D00745}" dt="2020-09-20T16:52:38.422" v="111"/>
+        <pc:sldMkLst>
+          <pc:docMk/>
+          <pc:sldMk cId="2253519714" sldId="821"/>
+        </pc:sldMkLst>
+        <pc:spChg chg="mod">
+          <ac:chgData name="Lipani, Aldo" userId="3d811883-7188-4056-86e4-ebeb30c53017" providerId="ADAL" clId="{066878FF-7127-9540-9515-91DB17D00745}" dt="2020-09-20T16:52:38.422" v="111"/>
+          <ac:spMkLst>
+            <pc:docMk/>
+            <pc:sldMk cId="2253519714" sldId="821"/>
+            <ac:spMk id="3" creationId="{37A9ED5E-FC51-FB47-8B07-24FE448646D0}"/>
+          </ac:spMkLst>
+        </pc:spChg>
+      </pc:sldChg>
+      <pc:sldChg chg="modSp">
+        <pc:chgData name="Lipani, Aldo" userId="3d811883-7188-4056-86e4-ebeb30c53017" providerId="ADAL" clId="{066878FF-7127-9540-9515-91DB17D00745}" dt="2020-09-20T16:52:25.242" v="105"/>
+        <pc:sldMkLst>
+          <pc:docMk/>
+          <pc:sldMk cId="3291258919" sldId="822"/>
+        </pc:sldMkLst>
+        <pc:spChg chg="mod">
+          <ac:chgData name="Lipani, Aldo" userId="3d811883-7188-4056-86e4-ebeb30c53017" providerId="ADAL" clId="{066878FF-7127-9540-9515-91DB17D00745}" dt="2020-09-20T16:52:25.242" v="105"/>
+          <ac:spMkLst>
+            <pc:docMk/>
+            <pc:sldMk cId="3291258919" sldId="822"/>
+            <ac:spMk id="3" creationId="{37A9ED5E-FC51-FB47-8B07-24FE448646D0}"/>
+          </ac:spMkLst>
+        </pc:spChg>
+      </pc:sldChg>
+      <pc:sldChg chg="modSp">
+        <pc:chgData name="Lipani, Aldo" userId="3d811883-7188-4056-86e4-ebeb30c53017" providerId="ADAL" clId="{066878FF-7127-9540-9515-91DB17D00745}" dt="2020-09-20T16:53:18.910" v="121"/>
+        <pc:sldMkLst>
+          <pc:docMk/>
+          <pc:sldMk cId="2992782309" sldId="826"/>
+        </pc:sldMkLst>
+        <pc:spChg chg="mod">
+          <ac:chgData name="Lipani, Aldo" userId="3d811883-7188-4056-86e4-ebeb30c53017" providerId="ADAL" clId="{066878FF-7127-9540-9515-91DB17D00745}" dt="2020-09-20T16:53:18.910" v="121"/>
+          <ac:spMkLst>
+            <pc:docMk/>
+            <pc:sldMk cId="2992782309" sldId="826"/>
+            <ac:spMk id="3" creationId="{37A9ED5E-FC51-FB47-8B07-24FE448646D0}"/>
+          </ac:spMkLst>
+        </pc:spChg>
+      </pc:sldChg>
+      <pc:sldChg chg="modSp">
+        <pc:chgData name="Lipani, Aldo" userId="3d811883-7188-4056-86e4-ebeb30c53017" providerId="ADAL" clId="{066878FF-7127-9540-9515-91DB17D00745}" dt="2020-09-20T16:53:31.065" v="125"/>
+        <pc:sldMkLst>
+          <pc:docMk/>
+          <pc:sldMk cId="1615511005" sldId="829"/>
+        </pc:sldMkLst>
+        <pc:spChg chg="mod">
+          <ac:chgData name="Lipani, Aldo" userId="3d811883-7188-4056-86e4-ebeb30c53017" providerId="ADAL" clId="{066878FF-7127-9540-9515-91DB17D00745}" dt="2020-09-20T16:53:27.795" v="123"/>
+          <ac:spMkLst>
+            <pc:docMk/>
+            <pc:sldMk cId="1615511005" sldId="829"/>
+            <ac:spMk id="3" creationId="{37A9ED5E-FC51-FB47-8B07-24FE448646D0}"/>
+          </ac:spMkLst>
+        </pc:spChg>
+        <pc:spChg chg="mod">
+          <ac:chgData name="Lipani, Aldo" userId="3d811883-7188-4056-86e4-ebeb30c53017" providerId="ADAL" clId="{066878FF-7127-9540-9515-91DB17D00745}" dt="2020-09-20T16:53:31.065" v="125"/>
+          <ac:spMkLst>
+            <pc:docMk/>
+            <pc:sldMk cId="1615511005" sldId="829"/>
+            <ac:spMk id="4" creationId="{524C6D7E-7976-A740-A9CA-5C4475A2F116}"/>
+          </ac:spMkLst>
+        </pc:spChg>
+      </pc:sldChg>
+      <pc:sldChg chg="modSp">
+        <pc:chgData name="Lipani, Aldo" userId="3d811883-7188-4056-86e4-ebeb30c53017" providerId="ADAL" clId="{066878FF-7127-9540-9515-91DB17D00745}" dt="2020-09-20T16:53:58.804" v="144"/>
+        <pc:sldMkLst>
+          <pc:docMk/>
+          <pc:sldMk cId="3951261227" sldId="855"/>
+        </pc:sldMkLst>
+        <pc:spChg chg="mod">
+          <ac:chgData name="Lipani, Aldo" userId="3d811883-7188-4056-86e4-ebeb30c53017" providerId="ADAL" clId="{066878FF-7127-9540-9515-91DB17D00745}" dt="2020-09-20T16:53:58.804" v="144"/>
+          <ac:spMkLst>
+            <pc:docMk/>
+            <pc:sldMk cId="3951261227" sldId="855"/>
+            <ac:spMk id="3" creationId="{37A9ED5E-FC51-FB47-8B07-24FE448646D0}"/>
           </ac:spMkLst>
         </pc:spChg>
       </pc:sldChg>
@@ -3271,218 +3483,6 @@
       </pc:sldChg>
     </pc:docChg>
   </pc:docChgLst>
-  <pc:docChgLst>
-    <pc:chgData name="Lipani, Aldo" userId="3d811883-7188-4056-86e4-ebeb30c53017" providerId="ADAL" clId="{066878FF-7127-9540-9515-91DB17D00745}"/>
-    <pc:docChg chg="undo custSel modSld">
-      <pc:chgData name="Lipani, Aldo" userId="3d811883-7188-4056-86e4-ebeb30c53017" providerId="ADAL" clId="{066878FF-7127-9540-9515-91DB17D00745}" dt="2020-09-20T16:53:58.804" v="144"/>
-      <pc:docMkLst>
-        <pc:docMk/>
-      </pc:docMkLst>
-      <pc:sldChg chg="modSp mod">
-        <pc:chgData name="Lipani, Aldo" userId="3d811883-7188-4056-86e4-ebeb30c53017" providerId="ADAL" clId="{066878FF-7127-9540-9515-91DB17D00745}" dt="2020-09-20T16:48:13.055" v="5" actId="20577"/>
-        <pc:sldMkLst>
-          <pc:docMk/>
-          <pc:sldMk cId="3972362767" sldId="555"/>
-        </pc:sldMkLst>
-        <pc:spChg chg="mod">
-          <ac:chgData name="Lipani, Aldo" userId="3d811883-7188-4056-86e4-ebeb30c53017" providerId="ADAL" clId="{066878FF-7127-9540-9515-91DB17D00745}" dt="2020-09-20T16:48:13.055" v="5" actId="20577"/>
-          <ac:spMkLst>
-            <pc:docMk/>
-            <pc:sldMk cId="3972362767" sldId="555"/>
-            <ac:spMk id="4099" creationId="{00000000-0000-0000-0000-000000000000}"/>
-          </ac:spMkLst>
-        </pc:spChg>
-      </pc:sldChg>
-      <pc:sldChg chg="modSp">
-        <pc:chgData name="Lipani, Aldo" userId="3d811883-7188-4056-86e4-ebeb30c53017" providerId="ADAL" clId="{066878FF-7127-9540-9515-91DB17D00745}" dt="2020-09-20T16:51:57.698" v="97"/>
-        <pc:sldMkLst>
-          <pc:docMk/>
-          <pc:sldMk cId="2808441334" sldId="758"/>
-        </pc:sldMkLst>
-        <pc:spChg chg="mod">
-          <ac:chgData name="Lipani, Aldo" userId="3d811883-7188-4056-86e4-ebeb30c53017" providerId="ADAL" clId="{066878FF-7127-9540-9515-91DB17D00745}" dt="2020-09-20T16:51:57.698" v="97"/>
-          <ac:spMkLst>
-            <pc:docMk/>
-            <pc:sldMk cId="2808441334" sldId="758"/>
-            <ac:spMk id="3" creationId="{37A9ED5E-FC51-FB47-8B07-24FE448646D0}"/>
-          </ac:spMkLst>
-        </pc:spChg>
-      </pc:sldChg>
-      <pc:sldChg chg="modSp mod">
-        <pc:chgData name="Lipani, Aldo" userId="3d811883-7188-4056-86e4-ebeb30c53017" providerId="ADAL" clId="{066878FF-7127-9540-9515-91DB17D00745}" dt="2020-09-20T16:48:27.772" v="11"/>
-        <pc:sldMkLst>
-          <pc:docMk/>
-          <pc:sldMk cId="4046377026" sldId="813"/>
-        </pc:sldMkLst>
-        <pc:spChg chg="mod">
-          <ac:chgData name="Lipani, Aldo" userId="3d811883-7188-4056-86e4-ebeb30c53017" providerId="ADAL" clId="{066878FF-7127-9540-9515-91DB17D00745}" dt="2020-09-20T16:48:27.772" v="11"/>
-          <ac:spMkLst>
-            <pc:docMk/>
-            <pc:sldMk cId="4046377026" sldId="813"/>
-            <ac:spMk id="9" creationId="{3AB3BC18-199B-C44F-B339-573547996898}"/>
-          </ac:spMkLst>
-        </pc:spChg>
-      </pc:sldChg>
-      <pc:sldChg chg="modSp mod">
-        <pc:chgData name="Lipani, Aldo" userId="3d811883-7188-4056-86e4-ebeb30c53017" providerId="ADAL" clId="{066878FF-7127-9540-9515-91DB17D00745}" dt="2020-09-20T16:49:51.711" v="47"/>
-        <pc:sldMkLst>
-          <pc:docMk/>
-          <pc:sldMk cId="3816615933" sldId="814"/>
-        </pc:sldMkLst>
-        <pc:spChg chg="mod">
-          <ac:chgData name="Lipani, Aldo" userId="3d811883-7188-4056-86e4-ebeb30c53017" providerId="ADAL" clId="{066878FF-7127-9540-9515-91DB17D00745}" dt="2020-09-20T16:49:51.711" v="47"/>
-          <ac:spMkLst>
-            <pc:docMk/>
-            <pc:sldMk cId="3816615933" sldId="814"/>
-            <ac:spMk id="9" creationId="{3AB3BC18-199B-C44F-B339-573547996898}"/>
-          </ac:spMkLst>
-        </pc:spChg>
-      </pc:sldChg>
-      <pc:sldChg chg="modSp mod">
-        <pc:chgData name="Lipani, Aldo" userId="3d811883-7188-4056-86e4-ebeb30c53017" providerId="ADAL" clId="{066878FF-7127-9540-9515-91DB17D00745}" dt="2020-09-20T16:51:22.753" v="88"/>
-        <pc:sldMkLst>
-          <pc:docMk/>
-          <pc:sldMk cId="276729484" sldId="816"/>
-        </pc:sldMkLst>
-        <pc:spChg chg="mod">
-          <ac:chgData name="Lipani, Aldo" userId="3d811883-7188-4056-86e4-ebeb30c53017" providerId="ADAL" clId="{066878FF-7127-9540-9515-91DB17D00745}" dt="2020-09-20T16:51:22.753" v="88"/>
-          <ac:spMkLst>
-            <pc:docMk/>
-            <pc:sldMk cId="276729484" sldId="816"/>
-            <ac:spMk id="9" creationId="{3AB3BC18-199B-C44F-B339-573547996898}"/>
-          </ac:spMkLst>
-        </pc:spChg>
-      </pc:sldChg>
-      <pc:sldChg chg="modSp">
-        <pc:chgData name="Lipani, Aldo" userId="3d811883-7188-4056-86e4-ebeb30c53017" providerId="ADAL" clId="{066878FF-7127-9540-9515-91DB17D00745}" dt="2020-09-20T16:52:08.595" v="99"/>
-        <pc:sldMkLst>
-          <pc:docMk/>
-          <pc:sldMk cId="3918311544" sldId="818"/>
-        </pc:sldMkLst>
-        <pc:spChg chg="mod">
-          <ac:chgData name="Lipani, Aldo" userId="3d811883-7188-4056-86e4-ebeb30c53017" providerId="ADAL" clId="{066878FF-7127-9540-9515-91DB17D00745}" dt="2020-09-20T16:52:08.595" v="99"/>
-          <ac:spMkLst>
-            <pc:docMk/>
-            <pc:sldMk cId="3918311544" sldId="818"/>
-            <ac:spMk id="3" creationId="{37A9ED5E-FC51-FB47-8B07-24FE448646D0}"/>
-          </ac:spMkLst>
-        </pc:spChg>
-      </pc:sldChg>
-      <pc:sldChg chg="modSp">
-        <pc:chgData name="Lipani, Aldo" userId="3d811883-7188-4056-86e4-ebeb30c53017" providerId="ADAL" clId="{066878FF-7127-9540-9515-91DB17D00745}" dt="2020-09-20T16:52:16.257" v="101"/>
-        <pc:sldMkLst>
-          <pc:docMk/>
-          <pc:sldMk cId="2473890635" sldId="819"/>
-        </pc:sldMkLst>
-        <pc:spChg chg="mod">
-          <ac:chgData name="Lipani, Aldo" userId="3d811883-7188-4056-86e4-ebeb30c53017" providerId="ADAL" clId="{066878FF-7127-9540-9515-91DB17D00745}" dt="2020-09-20T16:52:16.257" v="101"/>
-          <ac:spMkLst>
-            <pc:docMk/>
-            <pc:sldMk cId="2473890635" sldId="819"/>
-            <ac:spMk id="3" creationId="{37A9ED5E-FC51-FB47-8B07-24FE448646D0}"/>
-          </ac:spMkLst>
-        </pc:spChg>
-      </pc:sldChg>
-      <pc:sldChg chg="modSp">
-        <pc:chgData name="Lipani, Aldo" userId="3d811883-7188-4056-86e4-ebeb30c53017" providerId="ADAL" clId="{066878FF-7127-9540-9515-91DB17D00745}" dt="2020-09-20T16:53:11.592" v="119"/>
-        <pc:sldMkLst>
-          <pc:docMk/>
-          <pc:sldMk cId="3296865420" sldId="820"/>
-        </pc:sldMkLst>
-        <pc:spChg chg="mod">
-          <ac:chgData name="Lipani, Aldo" userId="3d811883-7188-4056-86e4-ebeb30c53017" providerId="ADAL" clId="{066878FF-7127-9540-9515-91DB17D00745}" dt="2020-09-20T16:53:11.592" v="119"/>
-          <ac:spMkLst>
-            <pc:docMk/>
-            <pc:sldMk cId="3296865420" sldId="820"/>
-            <ac:spMk id="3" creationId="{37A9ED5E-FC51-FB47-8B07-24FE448646D0}"/>
-          </ac:spMkLst>
-        </pc:spChg>
-      </pc:sldChg>
-      <pc:sldChg chg="modSp">
-        <pc:chgData name="Lipani, Aldo" userId="3d811883-7188-4056-86e4-ebeb30c53017" providerId="ADAL" clId="{066878FF-7127-9540-9515-91DB17D00745}" dt="2020-09-20T16:52:38.422" v="111"/>
-        <pc:sldMkLst>
-          <pc:docMk/>
-          <pc:sldMk cId="2253519714" sldId="821"/>
-        </pc:sldMkLst>
-        <pc:spChg chg="mod">
-          <ac:chgData name="Lipani, Aldo" userId="3d811883-7188-4056-86e4-ebeb30c53017" providerId="ADAL" clId="{066878FF-7127-9540-9515-91DB17D00745}" dt="2020-09-20T16:52:38.422" v="111"/>
-          <ac:spMkLst>
-            <pc:docMk/>
-            <pc:sldMk cId="2253519714" sldId="821"/>
-            <ac:spMk id="3" creationId="{37A9ED5E-FC51-FB47-8B07-24FE448646D0}"/>
-          </ac:spMkLst>
-        </pc:spChg>
-      </pc:sldChg>
-      <pc:sldChg chg="modSp">
-        <pc:chgData name="Lipani, Aldo" userId="3d811883-7188-4056-86e4-ebeb30c53017" providerId="ADAL" clId="{066878FF-7127-9540-9515-91DB17D00745}" dt="2020-09-20T16:52:25.242" v="105"/>
-        <pc:sldMkLst>
-          <pc:docMk/>
-          <pc:sldMk cId="3291258919" sldId="822"/>
-        </pc:sldMkLst>
-        <pc:spChg chg="mod">
-          <ac:chgData name="Lipani, Aldo" userId="3d811883-7188-4056-86e4-ebeb30c53017" providerId="ADAL" clId="{066878FF-7127-9540-9515-91DB17D00745}" dt="2020-09-20T16:52:25.242" v="105"/>
-          <ac:spMkLst>
-            <pc:docMk/>
-            <pc:sldMk cId="3291258919" sldId="822"/>
-            <ac:spMk id="3" creationId="{37A9ED5E-FC51-FB47-8B07-24FE448646D0}"/>
-          </ac:spMkLst>
-        </pc:spChg>
-      </pc:sldChg>
-      <pc:sldChg chg="modSp">
-        <pc:chgData name="Lipani, Aldo" userId="3d811883-7188-4056-86e4-ebeb30c53017" providerId="ADAL" clId="{066878FF-7127-9540-9515-91DB17D00745}" dt="2020-09-20T16:53:18.910" v="121"/>
-        <pc:sldMkLst>
-          <pc:docMk/>
-          <pc:sldMk cId="2992782309" sldId="826"/>
-        </pc:sldMkLst>
-        <pc:spChg chg="mod">
-          <ac:chgData name="Lipani, Aldo" userId="3d811883-7188-4056-86e4-ebeb30c53017" providerId="ADAL" clId="{066878FF-7127-9540-9515-91DB17D00745}" dt="2020-09-20T16:53:18.910" v="121"/>
-          <ac:spMkLst>
-            <pc:docMk/>
-            <pc:sldMk cId="2992782309" sldId="826"/>
-            <ac:spMk id="3" creationId="{37A9ED5E-FC51-FB47-8B07-24FE448646D0}"/>
-          </ac:spMkLst>
-        </pc:spChg>
-      </pc:sldChg>
-      <pc:sldChg chg="modSp">
-        <pc:chgData name="Lipani, Aldo" userId="3d811883-7188-4056-86e4-ebeb30c53017" providerId="ADAL" clId="{066878FF-7127-9540-9515-91DB17D00745}" dt="2020-09-20T16:53:31.065" v="125"/>
-        <pc:sldMkLst>
-          <pc:docMk/>
-          <pc:sldMk cId="1615511005" sldId="829"/>
-        </pc:sldMkLst>
-        <pc:spChg chg="mod">
-          <ac:chgData name="Lipani, Aldo" userId="3d811883-7188-4056-86e4-ebeb30c53017" providerId="ADAL" clId="{066878FF-7127-9540-9515-91DB17D00745}" dt="2020-09-20T16:53:27.795" v="123"/>
-          <ac:spMkLst>
-            <pc:docMk/>
-            <pc:sldMk cId="1615511005" sldId="829"/>
-            <ac:spMk id="3" creationId="{37A9ED5E-FC51-FB47-8B07-24FE448646D0}"/>
-          </ac:spMkLst>
-        </pc:spChg>
-        <pc:spChg chg="mod">
-          <ac:chgData name="Lipani, Aldo" userId="3d811883-7188-4056-86e4-ebeb30c53017" providerId="ADAL" clId="{066878FF-7127-9540-9515-91DB17D00745}" dt="2020-09-20T16:53:31.065" v="125"/>
-          <ac:spMkLst>
-            <pc:docMk/>
-            <pc:sldMk cId="1615511005" sldId="829"/>
-            <ac:spMk id="4" creationId="{524C6D7E-7976-A740-A9CA-5C4475A2F116}"/>
-          </ac:spMkLst>
-        </pc:spChg>
-      </pc:sldChg>
-      <pc:sldChg chg="modSp">
-        <pc:chgData name="Lipani, Aldo" userId="3d811883-7188-4056-86e4-ebeb30c53017" providerId="ADAL" clId="{066878FF-7127-9540-9515-91DB17D00745}" dt="2020-09-20T16:53:58.804" v="144"/>
-        <pc:sldMkLst>
-          <pc:docMk/>
-          <pc:sldMk cId="3951261227" sldId="855"/>
-        </pc:sldMkLst>
-        <pc:spChg chg="mod">
-          <ac:chgData name="Lipani, Aldo" userId="3d811883-7188-4056-86e4-ebeb30c53017" providerId="ADAL" clId="{066878FF-7127-9540-9515-91DB17D00745}" dt="2020-09-20T16:53:58.804" v="144"/>
-          <ac:spMkLst>
-            <pc:docMk/>
-            <pc:sldMk cId="3951261227" sldId="855"/>
-            <ac:spMk id="3" creationId="{37A9ED5E-FC51-FB47-8B07-24FE448646D0}"/>
-          </ac:spMkLst>
-        </pc:spChg>
-      </pc:sldChg>
-    </pc:docChg>
-  </pc:docChgLst>
 </pc:chgInfo>
 </file>
 
@@ -3568,7 +3568,7 @@
           <a:p>
             <a:fld id="{50C96C19-BA70-3844-814A-AB1DB87EE19E}" type="datetimeFigureOut">
               <a:rPr kumimoji="1" lang="zh-CN" altLang="en-US" smtClean="0"/>
-              <a:t>2020/9/26</a:t>
+              <a:t>2023/10/17</a:t>
             </a:fld>
             <a:endParaRPr kumimoji="1" lang="zh-CN" altLang="en-US"/>
           </a:p>
@@ -3750,7 +3750,7 @@
               <a:pPr>
                 <a:defRPr/>
               </a:pPr>
-              <a:t>9/26/20</a:t>
+              <a:t>10/17/23</a:t>
             </a:fld>
             <a:endParaRPr lang="en-US" altLang="zh-CN"/>
           </a:p>
@@ -6112,14 +6112,14 @@
           </a:ln>
           <a:extLst>
             <a:ext uri="{909E8E84-426E-40dd-AFC4-6F175D3DCCD1}">
-              <a14:hiddenFill xmlns="" xmlns:a14="http://schemas.microsoft.com/office/drawing/2010/main">
+              <a14:hiddenFill xmlns:a14="http://schemas.microsoft.com/office/drawing/2010/main" xmlns="">
                 <a:solidFill>
                   <a:srgbClr val="FFFFFF"/>
                 </a:solidFill>
               </a14:hiddenFill>
             </a:ext>
             <a:ext uri="{91240B29-F687-4f45-9708-019B960494DF}">
-              <a14:hiddenLine xmlns="" xmlns:a14="http://schemas.microsoft.com/office/drawing/2010/main" w="9525">
+              <a14:hiddenLine xmlns:a14="http://schemas.microsoft.com/office/drawing/2010/main" xmlns="" w="9525">
                 <a:solidFill>
                   <a:srgbClr val="000000"/>
                 </a:solidFill>
@@ -7970,14 +7970,14 @@
           </a:ln>
           <a:extLst>
             <a:ext uri="{909E8E84-426E-40dd-AFC4-6F175D3DCCD1}">
-              <a14:hiddenFill xmlns="" xmlns:a14="http://schemas.microsoft.com/office/drawing/2010/main">
+              <a14:hiddenFill xmlns:a14="http://schemas.microsoft.com/office/drawing/2010/main" xmlns="">
                 <a:solidFill>
                   <a:srgbClr val="FFFFFF"/>
                 </a:solidFill>
               </a14:hiddenFill>
             </a:ext>
             <a:ext uri="{91240B29-F687-4f45-9708-019B960494DF}">
-              <a14:hiddenLine xmlns="" xmlns:a14="http://schemas.microsoft.com/office/drawing/2010/main" w="9525">
+              <a14:hiddenLine xmlns:a14="http://schemas.microsoft.com/office/drawing/2010/main" xmlns="" w="9525">
                 <a:solidFill>
                   <a:srgbClr val="000000"/>
                 </a:solidFill>
@@ -8013,17 +8013,17 @@
           </a:ln>
           <a:extLst>
             <a:ext uri="{FAA26D3D-D897-4be2-8F04-BA451C77F1D7}">
-              <ma14:placeholderFlag xmlns:ma14="http://schemas.microsoft.com/office/mac/drawingml/2011/main" xmlns="" val="1"/>
+              <ma14:placeholderFlag xmlns="" xmlns:ma14="http://schemas.microsoft.com/office/mac/drawingml/2011/main" val="1"/>
             </a:ext>
             <a:ext uri="{909E8E84-426E-40dd-AFC4-6F175D3DCCD1}">
-              <a14:hiddenFill xmlns="" xmlns:a14="http://schemas.microsoft.com/office/drawing/2010/main">
+              <a14:hiddenFill xmlns:a14="http://schemas.microsoft.com/office/drawing/2010/main" xmlns="">
                 <a:solidFill>
                   <a:srgbClr val="FFFFFF"/>
                 </a:solidFill>
               </a14:hiddenFill>
             </a:ext>
             <a:ext uri="{91240B29-F687-4f45-9708-019B960494DF}">
-              <a14:hiddenLine xmlns="" xmlns:a14="http://schemas.microsoft.com/office/drawing/2010/main" w="9525">
+              <a14:hiddenLine xmlns:a14="http://schemas.microsoft.com/office/drawing/2010/main" xmlns="" w="9525">
                 <a:solidFill>
                   <a:srgbClr val="000000"/>
                 </a:solidFill>
@@ -8074,17 +8074,17 @@
           </a:ln>
           <a:extLst>
             <a:ext uri="{FAA26D3D-D897-4be2-8F04-BA451C77F1D7}">
-              <ma14:placeholderFlag xmlns:ma14="http://schemas.microsoft.com/office/mac/drawingml/2011/main" xmlns="" val="1"/>
+              <ma14:placeholderFlag xmlns="" xmlns:ma14="http://schemas.microsoft.com/office/mac/drawingml/2011/main" val="1"/>
             </a:ext>
             <a:ext uri="{909E8E84-426E-40dd-AFC4-6F175D3DCCD1}">
-              <a14:hiddenFill xmlns="" xmlns:a14="http://schemas.microsoft.com/office/drawing/2010/main">
+              <a14:hiddenFill xmlns:a14="http://schemas.microsoft.com/office/drawing/2010/main" xmlns="">
                 <a:solidFill>
                   <a:srgbClr val="FFFFFF"/>
                 </a:solidFill>
               </a14:hiddenFill>
             </a:ext>
             <a:ext uri="{91240B29-F687-4f45-9708-019B960494DF}">
-              <a14:hiddenLine xmlns="" xmlns:a14="http://schemas.microsoft.com/office/drawing/2010/main" w="9525">
+              <a14:hiddenLine xmlns:a14="http://schemas.microsoft.com/office/drawing/2010/main" xmlns="" w="9525">
                 <a:solidFill>
                   <a:srgbClr val="000000"/>
                 </a:solidFill>
@@ -8197,14 +8197,14 @@
           </a:ln>
           <a:extLst>
             <a:ext uri="{909E8E84-426E-40dd-AFC4-6F175D3DCCD1}">
-              <a14:hiddenFill xmlns="" xmlns:a14="http://schemas.microsoft.com/office/drawing/2010/main">
+              <a14:hiddenFill xmlns:a14="http://schemas.microsoft.com/office/drawing/2010/main" xmlns="">
                 <a:solidFill>
                   <a:srgbClr val="FFFFFF"/>
                 </a:solidFill>
               </a14:hiddenFill>
             </a:ext>
             <a:ext uri="{91240B29-F687-4f45-9708-019B960494DF}">
-              <a14:hiddenLine xmlns="" xmlns:a14="http://schemas.microsoft.com/office/drawing/2010/main" w="9525">
+              <a14:hiddenLine xmlns:a14="http://schemas.microsoft.com/office/drawing/2010/main" xmlns="" w="9525">
                 <a:solidFill>
                   <a:srgbClr val="000000"/>
                 </a:solidFill>
@@ -8759,7 +8759,7 @@
             </a:r>
             <a:r>
               <a:rPr lang="en-US" sz="1800" dirty="0"/>
-              <a:t> a temperature in degree Celsius and </a:t>
+              <a:t> a temperature in degrees Celsius and </a:t>
             </a:r>
             <a:r>
               <a:rPr lang="en-GB" sz="1800" dirty="0">
@@ -8824,10 +8824,10 @@
               <a:buNone/>
             </a:pPr>
             <a:r>
-              <a:rPr lang="en-US" sz="1800" b="1" dirty="0"/>
-              <a:t>The program should stop when the user enters a number greater or equal than 100.</a:t>
-            </a:r>
-            <a:endParaRPr lang="en-US" sz="1800" dirty="0"/>
+              <a:rPr lang="en-US" sz="1600" b="1" dirty="0"/>
+              <a:t>The program should stop when the user enters a number greater or equal to 100.</a:t>
+            </a:r>
+            <a:endParaRPr lang="en-US" sz="1600" dirty="0"/>
           </a:p>
           <a:p>
             <a:pPr marL="0" indent="0">
@@ -8894,7 +8894,7 @@
                 <a:latin typeface="Arial" panose="020B0604020202020204" pitchFamily="34" charset="0"/>
                 <a:cs typeface="Arial" panose="020B0604020202020204" pitchFamily="34" charset="0"/>
               </a:rPr>
-              <a:t>prints the message and waits the user for an input</a:t>
+              <a:t>prints the message and waits for the user for an input</a:t>
             </a:r>
             <a:endParaRPr lang="en-US" sz="1800" dirty="0">
               <a:latin typeface="Arial" panose="020B0604020202020204" pitchFamily="34" charset="0"/>
@@ -10631,7 +10631,7 @@
             </a:pPr>
             <a:r>
               <a:rPr lang="en-US" dirty="0"/>
-              <a:t>Write a program that ask the user for 3 angles in degrees and checks, if possible, which triangle you can build with them: </a:t>
+              <a:t>Write a program that asks the user for 3 angles in degrees and checks, if possible, which triangle you can build with them: </a:t>
             </a:r>
           </a:p>
           <a:p>
@@ -10643,7 +10643,7 @@
           <a:p>
             <a:r>
               <a:rPr lang="en-US" dirty="0"/>
-              <a:t>Isosceles triangles have 2 angles equal; </a:t>
+              <a:t>Isosceles triangles have 2 equal angles; </a:t>
             </a:r>
           </a:p>
           <a:p>
@@ -10688,15 +10688,7 @@
             </a:pPr>
             <a:r>
               <a:rPr lang="en-US" b="1" dirty="0"/>
-              <a:t>This check should be done in a function</a:t>
-            </a:r>
-            <a:r>
-              <a:rPr lang="en-US" b="1"/>
-              <a:t>. The </a:t>
-            </a:r>
-            <a:r>
-              <a:rPr lang="en-US" b="1" dirty="0"/>
-              <a:t>function should return the type of triangle.</a:t>
+              <a:t>This check should be done in a function. The function should return the type of triangle.</a:t>
             </a:r>
             <a:endParaRPr lang="en-US" dirty="0"/>
           </a:p>
@@ -10706,7 +10698,7 @@
             </a:pPr>
             <a:r>
               <a:rPr lang="en-US" dirty="0"/>
-              <a:t>Rules are the same of the previous exercise.</a:t>
+              <a:t>Rules are the same as the previous exercise.</a:t>
             </a:r>
           </a:p>
         </p:txBody>
